--- a/docs/scrum/Sprint Stablization/Sprint Stablization Planning.pptx
+++ b/docs/scrum/Sprint Stablization/Sprint Stablization Planning.pptx
@@ -4916,13 +4916,7 @@
               <a:rPr lang="en-US" sz="2000" b="1" dirty="0" smtClean="0">
                 <a:latin typeface="Gill Sans MT" pitchFamily="34" charset="0"/>
               </a:rPr>
-              <a:t>Sprint: </a:t>
-            </a:r>
-            <a:r>
-              <a:rPr lang="en-US" sz="2000" b="1" dirty="0" smtClean="0">
-                <a:latin typeface="Gill Sans MT" pitchFamily="34" charset="0"/>
-              </a:rPr>
-              <a:t>Stabilization Planning </a:t>
+              <a:t>Sprint: Stabilization Planning </a:t>
             </a:r>
           </a:p>
           <a:p>
@@ -5267,11 +5261,6 @@
               </a:rPr>
               <a:t>Sprint: Stabilization</a:t>
             </a:r>
-            <a:endParaRPr lang="en-US" b="1" dirty="0" smtClean="0">
-              <a:solidFill>
-                <a:schemeClr val="bg1"/>
-              </a:solidFill>
-            </a:endParaRPr>
           </a:p>
         </p:txBody>
       </p:sp>
@@ -5502,25 +5491,7 @@
               <a:rPr lang="en-US" dirty="0" smtClean="0">
                 <a:latin typeface="+mn-lt"/>
               </a:rPr>
-              <a:t>Clean up </a:t>
-            </a:r>
-            <a:r>
-              <a:rPr lang="en-US" dirty="0" smtClean="0">
-                <a:latin typeface="+mn-lt"/>
-              </a:rPr>
-              <a:t>issues (GitHub), </a:t>
-            </a:r>
-            <a:r>
-              <a:rPr lang="en-US" dirty="0" smtClean="0">
-                <a:latin typeface="+mn-lt"/>
-              </a:rPr>
-              <a:t>finish </a:t>
-            </a:r>
-            <a:r>
-              <a:rPr lang="en-US" dirty="0" smtClean="0">
-                <a:latin typeface="+mn-lt"/>
-              </a:rPr>
-              <a:t>stories (</a:t>
+              <a:t>Clean up issues (GitHub), finish stories (</a:t>
             </a:r>
             <a:r>
               <a:rPr lang="en-US" dirty="0" err="1" smtClean="0">
@@ -5532,25 +5503,7 @@
               <a:rPr lang="en-US" dirty="0" smtClean="0">
                 <a:latin typeface="+mn-lt"/>
               </a:rPr>
-              <a:t>), </a:t>
-            </a:r>
-            <a:r>
-              <a:rPr lang="en-US" dirty="0" smtClean="0">
-                <a:latin typeface="+mn-lt"/>
-              </a:rPr>
-              <a:t>and </a:t>
-            </a:r>
-            <a:r>
-              <a:rPr lang="en-US" dirty="0" smtClean="0">
-                <a:latin typeface="+mn-lt"/>
-              </a:rPr>
-              <a:t>stabilize </a:t>
-            </a:r>
-            <a:r>
-              <a:rPr lang="en-US" dirty="0" smtClean="0">
-                <a:latin typeface="+mn-lt"/>
-              </a:rPr>
-              <a:t>application</a:t>
+              <a:t>), and stabilize application</a:t>
             </a:r>
           </a:p>
           <a:p>
@@ -5871,11 +5824,7 @@
             </a:pPr>
             <a:r>
               <a:rPr lang="en-US" sz="1400" dirty="0" smtClean="0"/>
-              <a:t>Could prioritize by label within the name </a:t>
-            </a:r>
-            <a:r>
-              <a:rPr lang="en-US" sz="1400" dirty="0" smtClean="0"/>
-              <a:t>High, Med, Low</a:t>
+              <a:t>Could prioritize by label within the name High, Med, Low</a:t>
             </a:r>
           </a:p>
           <a:p>
@@ -5887,7 +5836,6 @@
               <a:rPr lang="en-US" sz="1400" b="1" dirty="0" smtClean="0"/>
               <a:t>DECISION: Issues will be worked and tracked in GitHub – must indicate in comment section that you are working and status – currently 11 issues – 2 are top priority</a:t>
             </a:r>
-            <a:endParaRPr lang="en-US" sz="1400" b="1" dirty="0" smtClean="0"/>
           </a:p>
           <a:p>
             <a:pPr marL="285750" indent="-285750">
@@ -5903,15 +5851,7 @@
             </a:pPr>
             <a:r>
               <a:rPr lang="en-US" sz="1400" dirty="0" smtClean="0"/>
-              <a:t>Finish up on </a:t>
-            </a:r>
-            <a:r>
-              <a:rPr lang="en-US" sz="1400" dirty="0" smtClean="0"/>
-              <a:t>the </a:t>
-            </a:r>
-            <a:r>
-              <a:rPr lang="en-US" sz="1400" dirty="0" smtClean="0"/>
-              <a:t>little things </a:t>
+              <a:t>Finish up on the little things </a:t>
             </a:r>
           </a:p>
           <a:p>
@@ -5958,17 +5898,8 @@
             </a:pPr>
             <a:r>
               <a:rPr lang="en-US" sz="1400" dirty="0" smtClean="0"/>
-              <a:t>Issue with </a:t>
-            </a:r>
-            <a:r>
-              <a:rPr lang="en-US" sz="1400" dirty="0" smtClean="0"/>
-              <a:t>IE 11 stems from </a:t>
-            </a:r>
-            <a:r>
-              <a:rPr lang="en-US" sz="1400" dirty="0" smtClean="0"/>
-              <a:t>Compatibility Mode setting</a:t>
-            </a:r>
-            <a:endParaRPr lang="en-US" sz="1400" dirty="0" smtClean="0"/>
+              <a:t>Issue with IE 11 stems from Compatibility Mode setting</a:t>
+            </a:r>
           </a:p>
           <a:p>
             <a:pPr marL="742950" lvl="1" indent="-285750">
@@ -6252,11 +6183,6 @@
               </a:rPr>
               <a:t>(continued) </a:t>
             </a:r>
-            <a:endParaRPr lang="en-US" sz="2800" b="1" dirty="0" smtClean="0">
-              <a:solidFill>
-                <a:schemeClr val="bg1"/>
-              </a:solidFill>
-            </a:endParaRPr>
           </a:p>
         </p:txBody>
       </p:sp>
@@ -6288,11 +6214,7 @@
             </a:pPr>
             <a:r>
               <a:rPr lang="en-US" sz="1400" b="1" dirty="0" smtClean="0"/>
-              <a:t>Top Priority: Error </a:t>
-            </a:r>
-            <a:r>
-              <a:rPr lang="en-US" sz="1400" b="1" dirty="0" smtClean="0"/>
-              <a:t>handling </a:t>
+              <a:t>Top Priority: Error handling </a:t>
             </a:r>
           </a:p>
           <a:p>
@@ -6302,11 +6224,7 @@
             </a:pPr>
             <a:r>
               <a:rPr lang="en-US" sz="1400" b="1" dirty="0" smtClean="0"/>
-              <a:t>Change prescription to drugs (Jared</a:t>
-            </a:r>
-            <a:r>
-              <a:rPr lang="en-US" sz="1400" b="1" dirty="0" smtClean="0"/>
-              <a:t>)</a:t>
+              <a:t>Change prescription to drugs (Jared)</a:t>
             </a:r>
           </a:p>
           <a:p>
@@ -6323,11 +6241,7 @@
             </a:pPr>
             <a:r>
               <a:rPr lang="en-US" sz="1400" dirty="0" smtClean="0"/>
-              <a:t>Report date as a column (low</a:t>
-            </a:r>
-            <a:r>
-              <a:rPr lang="en-US" sz="1400" dirty="0" smtClean="0"/>
-              <a:t>)</a:t>
+              <a:t>Report date as a column (low)</a:t>
             </a:r>
           </a:p>
           <a:p>
@@ -6378,11 +6292,7 @@
             </a:pPr>
             <a:r>
               <a:rPr lang="en-US" sz="1400" b="1" dirty="0" smtClean="0"/>
-              <a:t>Finish final </a:t>
-            </a:r>
-            <a:r>
-              <a:rPr lang="en-US" sz="1400" b="1" dirty="0" smtClean="0"/>
-              <a:t>stories in </a:t>
+              <a:t>Finish final stories in </a:t>
             </a:r>
             <a:r>
               <a:rPr lang="en-US" sz="1400" b="1" dirty="0" err="1" smtClean="0"/>
@@ -6456,15 +6366,7 @@
             </a:pPr>
             <a:r>
               <a:rPr lang="en-US" sz="1400" dirty="0" smtClean="0"/>
-              <a:t>1. </a:t>
-            </a:r>
-            <a:r>
-              <a:rPr lang="en-US" sz="1400" dirty="0" smtClean="0"/>
-              <a:t>Finish </a:t>
-            </a:r>
-            <a:r>
-              <a:rPr lang="en-US" sz="1400" dirty="0" smtClean="0"/>
-              <a:t>Stories in </a:t>
+              <a:t>1. Finish Stories in </a:t>
             </a:r>
             <a:r>
               <a:rPr lang="en-US" sz="1400" dirty="0" err="1" smtClean="0"/>
@@ -6491,7 +6393,6 @@
               <a:rPr lang="en-US" sz="1400" dirty="0" smtClean="0"/>
               <a:t>Work Issues High, Medium, Low</a:t>
             </a:r>
-            <a:endParaRPr lang="en-US" sz="1400" dirty="0" smtClean="0"/>
           </a:p>
           <a:p>
             <a:endParaRPr lang="en-US" sz="1400" dirty="0" smtClean="0"/>
@@ -7254,21 +7155,8 @@
                 <a:ea typeface="Calibri" panose="020F0502020204030204" pitchFamily="34" charset="0"/>
                 <a:cs typeface="Times New Roman" panose="02020603050405020304" pitchFamily="18" charset="0"/>
               </a:rPr>
-              <a:t>Sprint </a:t>
-            </a:r>
-            <a:r>
-              <a:rPr lang="en-US" sz="1400" dirty="0" smtClean="0">
-                <a:latin typeface="Arial" panose="020B0604020202020204" pitchFamily="34" charset="0"/>
-                <a:ea typeface="Calibri" panose="020F0502020204030204" pitchFamily="34" charset="0"/>
-                <a:cs typeface="Times New Roman" panose="02020603050405020304" pitchFamily="18" charset="0"/>
-              </a:rPr>
-              <a:t>Stabilization</a:t>
-            </a:r>
-            <a:endParaRPr lang="en-US" sz="1400" dirty="0" smtClean="0">
-              <a:latin typeface="Arial" panose="020B0604020202020204" pitchFamily="34" charset="0"/>
-              <a:ea typeface="Calibri" panose="020F0502020204030204" pitchFamily="34" charset="0"/>
-              <a:cs typeface="Times New Roman" panose="02020603050405020304" pitchFamily="18" charset="0"/>
-            </a:endParaRPr>
+              <a:t>Sprint Stabilization</a:t>
+            </a:r>
           </a:p>
           <a:p>
             <a:pPr marL="800100" lvl="1" indent="-342900">
@@ -8312,6 +8200,21 @@
 </file>
 
 <file path=customXml/item1.xml><?xml version="1.0" encoding="utf-8"?>
+<?mso-contentType ?>
+<FormTemplates xmlns="http://schemas.microsoft.com/sharepoint/v3/contenttype/forms">
+  <Display>DocumentLibraryForm</Display>
+  <Edit>DocumentLibraryForm</Edit>
+  <New>DocumentLibraryForm</New>
+</FormTemplates>
+</file>
+
+<file path=customXml/item2.xml><?xml version="1.0" encoding="utf-8"?>
+<p:properties xmlns:p="http://schemas.microsoft.com/office/2006/metadata/properties" xmlns:xsi="http://www.w3.org/2001/XMLSchema-instance">
+  <documentManagement/>
+</p:properties>
+</file>
+
+<file path=customXml/item3.xml><?xml version="1.0" encoding="utf-8"?>
 <ct:contentTypeSchema xmlns:ct="http://schemas.microsoft.com/office/2006/metadata/contentType" xmlns:ma="http://schemas.microsoft.com/office/2006/metadata/properties/metaAttributes" ct:_="" ma:_="" ma:contentTypeName="Document" ma:contentTypeID="0x0101008B38B1DBB93B5443A8CCB8573A236AA3" ma:contentTypeVersion="0" ma:contentTypeDescription="Create a new document." ma:contentTypeScope="" ma:versionID="9f93b31118786cfda334523bbaeb68fa">
   <xsd:schema xmlns:xsd="http://www.w3.org/2001/XMLSchema" xmlns:p="http://schemas.microsoft.com/office/2006/metadata/properties" targetNamespace="http://schemas.microsoft.com/office/2006/metadata/properties" ma:root="true" ma:fieldsID="4aeb20c0e3442673af7ee10786458764">
     <xsd:element name="properties">
@@ -8360,22 +8263,29 @@
 </ct:contentTypeSchema>
 </file>
 
-<file path=customXml/item2.xml><?xml version="1.0" encoding="utf-8"?>
-<p:properties xmlns:p="http://schemas.microsoft.com/office/2006/metadata/properties" xmlns:xsi="http://www.w3.org/2001/XMLSchema-instance">
-  <documentManagement/>
-</p:properties>
+<file path=customXml/itemProps1.xml><?xml version="1.0" encoding="utf-8"?>
+<ds:datastoreItem xmlns:ds="http://schemas.openxmlformats.org/officeDocument/2006/customXml" ds:itemID="{53D2BB29-89EF-4322-AB4E-BDF1314E10A4}">
+  <ds:schemaRefs>
+    <ds:schemaRef ds:uri="http://schemas.microsoft.com/sharepoint/v3/contenttype/forms"/>
+  </ds:schemaRefs>
+</ds:datastoreItem>
 </file>
 
-<file path=customXml/item3.xml><?xml version="1.0" encoding="utf-8"?>
-<?mso-contentType ?>
-<FormTemplates xmlns="http://schemas.microsoft.com/sharepoint/v3/contenttype/forms">
-  <Display>DocumentLibraryForm</Display>
-  <Edit>DocumentLibraryForm</Edit>
-  <New>DocumentLibraryForm</New>
-</FormTemplates>
+<file path=customXml/itemProps2.xml><?xml version="1.0" encoding="utf-8"?>
+<ds:datastoreItem xmlns:ds="http://schemas.openxmlformats.org/officeDocument/2006/customXml" ds:itemID="{046750FF-301D-47F3-B680-CFD09E2B16C2}">
+  <ds:schemaRefs>
+    <ds:schemaRef ds:uri="http://purl.org/dc/terms/"/>
+    <ds:schemaRef ds:uri="http://schemas.openxmlformats.org/package/2006/metadata/core-properties"/>
+    <ds:schemaRef ds:uri="http://schemas.microsoft.com/office/2006/documentManagement/types"/>
+    <ds:schemaRef ds:uri="http://purl.org/dc/dcmitype/"/>
+    <ds:schemaRef ds:uri="http://purl.org/dc/elements/1.1/"/>
+    <ds:schemaRef ds:uri="http://schemas.microsoft.com/office/2006/metadata/properties"/>
+    <ds:schemaRef ds:uri="http://www.w3.org/XML/1998/namespace"/>
+  </ds:schemaRefs>
+</ds:datastoreItem>
 </file>
 
-<file path=customXml/itemProps1.xml><?xml version="1.0" encoding="utf-8"?>
+<file path=customXml/itemProps3.xml><?xml version="1.0" encoding="utf-8"?>
 <ds:datastoreItem xmlns:ds="http://schemas.openxmlformats.org/officeDocument/2006/customXml" ds:itemID="{E19CA1FF-25DA-449D-9026-83AB28B277AE}">
   <ds:schemaRefs>
     <ds:schemaRef ds:uri="http://schemas.microsoft.com/office/2006/metadata/contentType"/>
@@ -8388,26 +8298,4 @@
     <ds:schemaRef ds:uri="http://schemas.microsoft.com/office/internal/2005/internalDocumentation"/>
   </ds:schemaRefs>
 </ds:datastoreItem>
-</file>
-
-<file path=customXml/itemProps2.xml><?xml version="1.0" encoding="utf-8"?>
-<ds:datastoreItem xmlns:ds="http://schemas.openxmlformats.org/officeDocument/2006/customXml" ds:itemID="{046750FF-301D-47F3-B680-CFD09E2B16C2}">
-  <ds:schemaRefs>
-    <ds:schemaRef ds:uri="http://purl.org/dc/elements/1.1/"/>
-    <ds:schemaRef ds:uri="http://schemas.microsoft.com/office/2006/metadata/properties"/>
-    <ds:schemaRef ds:uri="http://purl.org/dc/terms/"/>
-    <ds:schemaRef ds:uri="http://schemas.openxmlformats.org/package/2006/metadata/core-properties"/>
-    <ds:schemaRef ds:uri="http://schemas.microsoft.com/office/2006/documentManagement/types"/>
-    <ds:schemaRef ds:uri="http://www.w3.org/XML/1998/namespace"/>
-    <ds:schemaRef ds:uri="http://purl.org/dc/dcmitype/"/>
-  </ds:schemaRefs>
-</ds:datastoreItem>
-</file>
-
-<file path=customXml/itemProps3.xml><?xml version="1.0" encoding="utf-8"?>
-<ds:datastoreItem xmlns:ds="http://schemas.openxmlformats.org/officeDocument/2006/customXml" ds:itemID="{53D2BB29-89EF-4322-AB4E-BDF1314E10A4}">
-  <ds:schemaRefs>
-    <ds:schemaRef ds:uri="http://schemas.microsoft.com/sharepoint/v3/contenttype/forms"/>
-  </ds:schemaRefs>
-</ds:datastoreItem>
 </file>